--- a/présentation/Bloc_03_Projet_North_Face.pptx
+++ b/présentation/Bloc_03_Projet_North_Face.pptx
@@ -6,34 +6,35 @@
     <p:sldMasterId id="2147483660" r:id="rId2"/>
   </p:sldMasterIdLst>
   <p:notesMasterIdLst>
-    <p:notesMasterId r:id="rId11"/>
+    <p:notesMasterId r:id="rId12"/>
   </p:notesMasterIdLst>
   <p:sldIdLst>
     <p:sldId id="256" r:id="rId3"/>
-    <p:sldId id="278" r:id="rId4"/>
-    <p:sldId id="276" r:id="rId5"/>
-    <p:sldId id="273" r:id="rId6"/>
-    <p:sldId id="274" r:id="rId7"/>
-    <p:sldId id="275" r:id="rId8"/>
-    <p:sldId id="277" r:id="rId9"/>
-    <p:sldId id="271" r:id="rId10"/>
+    <p:sldId id="272" r:id="rId4"/>
+    <p:sldId id="278" r:id="rId5"/>
+    <p:sldId id="276" r:id="rId6"/>
+    <p:sldId id="273" r:id="rId7"/>
+    <p:sldId id="274" r:id="rId8"/>
+    <p:sldId id="275" r:id="rId9"/>
+    <p:sldId id="277" r:id="rId10"/>
+    <p:sldId id="271" r:id="rId11"/>
   </p:sldIdLst>
   <p:sldSz cx="9144000" cy="5143500" type="screen16x9"/>
   <p:notesSz cx="6858000" cy="9144000"/>
   <p:embeddedFontLst>
     <p:embeddedFont>
       <p:font typeface="Inter Medium" panose="020B0604020202020204" charset="0"/>
-      <p:regular r:id="rId12"/>
-      <p:bold r:id="rId13"/>
-      <p:italic r:id="rId14"/>
-      <p:boldItalic r:id="rId15"/>
+      <p:regular r:id="rId13"/>
+      <p:bold r:id="rId14"/>
+      <p:italic r:id="rId15"/>
+      <p:boldItalic r:id="rId16"/>
     </p:embeddedFont>
     <p:embeddedFont>
       <p:font typeface="Inter SemiBold" panose="020B0604020202020204" charset="0"/>
-      <p:regular r:id="rId16"/>
-      <p:bold r:id="rId17"/>
-      <p:italic r:id="rId18"/>
-      <p:boldItalic r:id="rId19"/>
+      <p:regular r:id="rId17"/>
+      <p:bold r:id="rId18"/>
+      <p:italic r:id="rId19"/>
+      <p:boldItalic r:id="rId20"/>
     </p:embeddedFont>
   </p:embeddedFontLst>
   <p:defaultTextStyle>
@@ -276,7 +277,7 @@
 <file path=ppt/revisionInfo.xml><?xml version="1.0" encoding="utf-8"?>
 <p1510:revInfo xmlns:a="http://schemas.openxmlformats.org/drawingml/2006/main" xmlns:r="http://schemas.openxmlformats.org/officeDocument/2006/relationships" xmlns:p1510="http://schemas.microsoft.com/office/powerpoint/2015/10/main">
   <p1510:revLst>
-    <p1510:client id="{ABC8B4A9-9B4C-4B33-81AF-02C36FE562F2}" v="171" dt="2026-02-10T07:49:34.771"/>
+    <p1510:client id="{ABC8B4A9-9B4C-4B33-81AF-02C36FE562F2}" v="173" dt="2026-02-11T16:33:52.518"/>
   </p1510:revLst>
 </p1510:revInfo>
 </file>
@@ -286,7 +287,7 @@
   <pc:docChgLst>
     <pc:chgData name="Jean-Yves Vuillequez" userId="e7fac481abea6bd0" providerId="LiveId" clId="{79E365E8-22BC-4EC2-9606-9A9AC6CD1D22}"/>
     <pc:docChg chg="undo custSel addSld delSld modSld sldOrd addMainMaster delMainMaster">
-      <pc:chgData name="Jean-Yves Vuillequez" userId="e7fac481abea6bd0" providerId="LiveId" clId="{79E365E8-22BC-4EC2-9606-9A9AC6CD1D22}" dt="2026-02-10T07:49:36.523" v="1078" actId="2696"/>
+      <pc:chgData name="Jean-Yves Vuillequez" userId="e7fac481abea6bd0" providerId="LiveId" clId="{79E365E8-22BC-4EC2-9606-9A9AC6CD1D22}" dt="2026-02-11T16:34:04.775" v="1091" actId="1076"/>
       <pc:docMkLst>
         <pc:docMk/>
       </pc:docMkLst>
@@ -329,49 +330,17 @@
         </pc:sldMkLst>
       </pc:sldChg>
       <pc:sldChg chg="modSp add del mod modAnim modNotesTx">
-        <pc:chgData name="Jean-Yves Vuillequez" userId="e7fac481abea6bd0" providerId="LiveId" clId="{79E365E8-22BC-4EC2-9606-9A9AC6CD1D22}" dt="2026-02-10T07:49:36.523" v="1078" actId="2696"/>
+        <pc:chgData name="Jean-Yves Vuillequez" userId="e7fac481abea6bd0" providerId="LiveId" clId="{79E365E8-22BC-4EC2-9606-9A9AC6CD1D22}" dt="2026-02-11T16:29:57.811" v="1083" actId="20577"/>
         <pc:sldMkLst>
           <pc:docMk/>
           <pc:sldMk cId="0" sldId="272"/>
         </pc:sldMkLst>
         <pc:spChg chg="mod">
-          <ac:chgData name="Jean-Yves Vuillequez" userId="e7fac481abea6bd0" providerId="LiveId" clId="{79E365E8-22BC-4EC2-9606-9A9AC6CD1D22}" dt="2026-02-05T08:37:49.841" v="248" actId="20577"/>
+          <ac:chgData name="Jean-Yves Vuillequez" userId="e7fac481abea6bd0" providerId="LiveId" clId="{79E365E8-22BC-4EC2-9606-9A9AC6CD1D22}" dt="2026-02-11T16:29:57.811" v="1083" actId="20577"/>
           <ac:spMkLst>
             <pc:docMk/>
             <pc:sldMk cId="0" sldId="272"/>
-            <ac:spMk id="3" creationId="{72CD330D-D20E-C29F-1030-B07CA8FB1E22}"/>
-          </ac:spMkLst>
-        </pc:spChg>
-        <pc:spChg chg="mod">
-          <ac:chgData name="Jean-Yves Vuillequez" userId="e7fac481abea6bd0" providerId="LiveId" clId="{79E365E8-22BC-4EC2-9606-9A9AC6CD1D22}" dt="2026-02-05T09:50:06.211" v="285" actId="108"/>
-          <ac:spMkLst>
-            <pc:docMk/>
-            <pc:sldMk cId="0" sldId="272"/>
-            <ac:spMk id="4" creationId="{934AC2C3-F52B-C5FF-763F-9BA14671F247}"/>
-          </ac:spMkLst>
-        </pc:spChg>
-        <pc:spChg chg="mod">
-          <ac:chgData name="Jean-Yves Vuillequez" userId="e7fac481abea6bd0" providerId="LiveId" clId="{79E365E8-22BC-4EC2-9606-9A9AC6CD1D22}" dt="2026-02-05T08:37:36.039" v="246" actId="14100"/>
-          <ac:spMkLst>
-            <pc:docMk/>
-            <pc:sldMk cId="0" sldId="272"/>
-            <ac:spMk id="5" creationId="{8037740E-0A40-6A83-319A-5FA39E9869E9}"/>
-          </ac:spMkLst>
-        </pc:spChg>
-        <pc:spChg chg="mod">
-          <ac:chgData name="Jean-Yves Vuillequez" userId="e7fac481abea6bd0" providerId="LiveId" clId="{79E365E8-22BC-4EC2-9606-9A9AC6CD1D22}" dt="2026-02-05T08:37:18.917" v="242" actId="14100"/>
-          <ac:spMkLst>
-            <pc:docMk/>
-            <pc:sldMk cId="0" sldId="272"/>
-            <ac:spMk id="6" creationId="{66C4B2FB-DF4F-A5D8-D34B-A5DFC80B0AAE}"/>
-          </ac:spMkLst>
-        </pc:spChg>
-        <pc:spChg chg="mod">
-          <ac:chgData name="Jean-Yves Vuillequez" userId="e7fac481abea6bd0" providerId="LiveId" clId="{79E365E8-22BC-4EC2-9606-9A9AC6CD1D22}" dt="2026-02-05T08:37:23.866" v="244" actId="14100"/>
-          <ac:spMkLst>
-            <pc:docMk/>
-            <pc:sldMk cId="0" sldId="272"/>
-            <ac:spMk id="7" creationId="{36B0EDF8-324A-AE11-8539-C4438745B23E}"/>
+            <ac:spMk id="6" creationId="{243FF7A6-205C-44FD-4C04-67C8CD0DF557}"/>
           </ac:spMkLst>
         </pc:spChg>
         <pc:spChg chg="mod">
@@ -414,14 +383,6 @@
             <ac:spMk id="18" creationId="{16C898BF-E544-3A3A-F1C6-FD6EA5BEBE3E}"/>
           </ac:spMkLst>
         </pc:spChg>
-        <pc:grpChg chg="mod">
-          <ac:chgData name="Jean-Yves Vuillequez" userId="e7fac481abea6bd0" providerId="LiveId" clId="{79E365E8-22BC-4EC2-9606-9A9AC6CD1D22}" dt="2026-02-04T16:16:11.762" v="156" actId="1076"/>
-          <ac:grpSpMkLst>
-            <pc:docMk/>
-            <pc:sldMk cId="0" sldId="272"/>
-            <ac:grpSpMk id="13" creationId="{C68D3C11-FF4A-152A-15F7-5496E4E77F38}"/>
-          </ac:grpSpMkLst>
-        </pc:grpChg>
       </pc:sldChg>
       <pc:sldChg chg="addSp delSp modSp add mod modNotesTx">
         <pc:chgData name="Jean-Yves Vuillequez" userId="e7fac481abea6bd0" providerId="LiveId" clId="{79E365E8-22BC-4EC2-9606-9A9AC6CD1D22}" dt="2026-02-05T13:46:33.292" v="1020" actId="478"/>
@@ -549,7 +510,7 @@
         </pc:picChg>
       </pc:sldChg>
       <pc:sldChg chg="addSp delSp modSp add mod ord modNotesTx">
-        <pc:chgData name="Jean-Yves Vuillequez" userId="e7fac481abea6bd0" providerId="LiveId" clId="{79E365E8-22BC-4EC2-9606-9A9AC6CD1D22}" dt="2026-02-05T10:40:08.729" v="552" actId="478"/>
+        <pc:chgData name="Jean-Yves Vuillequez" userId="e7fac481abea6bd0" providerId="LiveId" clId="{79E365E8-22BC-4EC2-9606-9A9AC6CD1D22}" dt="2026-02-11T16:32:50.956" v="1087" actId="732"/>
         <pc:sldMkLst>
           <pc:docMk/>
           <pc:sldMk cId="2234531656" sldId="276"/>
@@ -578,8 +539,8 @@
             <ac:spMk id="68" creationId="{7C65B11E-A650-ED4F-8BD5-7ED633C1B549}"/>
           </ac:spMkLst>
         </pc:spChg>
-        <pc:picChg chg="add mod">
-          <ac:chgData name="Jean-Yves Vuillequez" userId="e7fac481abea6bd0" providerId="LiveId" clId="{79E365E8-22BC-4EC2-9606-9A9AC6CD1D22}" dt="2026-02-05T10:37:38.383" v="504" actId="14100"/>
+        <pc:picChg chg="add mod modCrop">
+          <ac:chgData name="Jean-Yves Vuillequez" userId="e7fac481abea6bd0" providerId="LiveId" clId="{79E365E8-22BC-4EC2-9606-9A9AC6CD1D22}" dt="2026-02-11T16:32:50.956" v="1087" actId="732"/>
           <ac:picMkLst>
             <pc:docMk/>
             <pc:sldMk cId="2234531656" sldId="276"/>
@@ -588,11 +549,19 @@
         </pc:picChg>
       </pc:sldChg>
       <pc:sldChg chg="addSp delSp modSp add mod">
-        <pc:chgData name="Jean-Yves Vuillequez" userId="e7fac481abea6bd0" providerId="LiveId" clId="{79E365E8-22BC-4EC2-9606-9A9AC6CD1D22}" dt="2026-02-10T06:40:29.430" v="1042" actId="113"/>
+        <pc:chgData name="Jean-Yves Vuillequez" userId="e7fac481abea6bd0" providerId="LiveId" clId="{79E365E8-22BC-4EC2-9606-9A9AC6CD1D22}" dt="2026-02-11T16:34:04.775" v="1091" actId="1076"/>
         <pc:sldMkLst>
           <pc:docMk/>
           <pc:sldMk cId="2868341824" sldId="277"/>
         </pc:sldMkLst>
+        <pc:spChg chg="add mod">
+          <ac:chgData name="Jean-Yves Vuillequez" userId="e7fac481abea6bd0" providerId="LiveId" clId="{79E365E8-22BC-4EC2-9606-9A9AC6CD1D22}" dt="2026-02-11T16:34:04.775" v="1091" actId="1076"/>
+          <ac:spMkLst>
+            <pc:docMk/>
+            <pc:sldMk cId="2868341824" sldId="277"/>
+            <ac:spMk id="2" creationId="{6C991352-BCB8-9706-E0DD-467678EC8725}"/>
+          </ac:spMkLst>
+        </pc:spChg>
         <pc:spChg chg="mod">
           <ac:chgData name="Jean-Yves Vuillequez" userId="e7fac481abea6bd0" providerId="LiveId" clId="{79E365E8-22BC-4EC2-9606-9A9AC6CD1D22}" dt="2026-02-10T06:40:29.430" v="1042" actId="113"/>
           <ac:spMkLst>
@@ -1283,6 +1252,110 @@
   <p:cSld>
     <p:spTree>
       <p:nvGrpSpPr>
+        <p:cNvPr id="1" name="Shape 64"/>
+        <p:cNvGrpSpPr/>
+        <p:nvPr/>
+      </p:nvGrpSpPr>
+      <p:grpSpPr>
+        <a:xfrm>
+          <a:off x="0" y="0"/>
+          <a:ext cx="0" cy="0"/>
+          <a:chOff x="0" y="0"/>
+          <a:chExt cx="0" cy="0"/>
+        </a:xfrm>
+      </p:grpSpPr>
+      <p:sp>
+        <p:nvSpPr>
+          <p:cNvPr id="65" name="Google Shape;65;g3bc3b886ea_0_7:notes"/>
+          <p:cNvSpPr>
+            <a:spLocks noGrp="1" noRot="1" noChangeAspect="1"/>
+          </p:cNvSpPr>
+          <p:nvPr>
+            <p:ph type="sldImg" idx="2"/>
+          </p:nvPr>
+        </p:nvSpPr>
+        <p:spPr>
+          <a:xfrm>
+            <a:off x="381000" y="685800"/>
+            <a:ext cx="6096000" cy="3429000"/>
+          </a:xfrm>
+          <a:custGeom>
+            <a:avLst/>
+            <a:gdLst/>
+            <a:ahLst/>
+            <a:cxnLst/>
+            <a:rect l="l" t="t" r="r" b="b"/>
+            <a:pathLst>
+              <a:path w="120000" h="120000" extrusionOk="0">
+                <a:moveTo>
+                  <a:pt x="0" y="0"/>
+                </a:moveTo>
+                <a:lnTo>
+                  <a:pt x="120000" y="0"/>
+                </a:lnTo>
+                <a:lnTo>
+                  <a:pt x="120000" y="120000"/>
+                </a:lnTo>
+                <a:lnTo>
+                  <a:pt x="0" y="120000"/>
+                </a:lnTo>
+                <a:close/>
+              </a:path>
+            </a:pathLst>
+          </a:custGeom>
+        </p:spPr>
+      </p:sp>
+      <p:sp>
+        <p:nvSpPr>
+          <p:cNvPr id="66" name="Google Shape;66;g3bc3b886ea_0_7:notes"/>
+          <p:cNvSpPr txBox="1">
+            <a:spLocks noGrp="1"/>
+          </p:cNvSpPr>
+          <p:nvPr>
+            <p:ph type="body" idx="1"/>
+          </p:nvPr>
+        </p:nvSpPr>
+        <p:spPr>
+          <a:xfrm>
+            <a:off x="685800" y="4343400"/>
+            <a:ext cx="5486400" cy="4114800"/>
+          </a:xfrm>
+          <a:prstGeom prst="rect">
+            <a:avLst/>
+          </a:prstGeom>
+        </p:spPr>
+        <p:txBody>
+          <a:bodyPr spcFirstLastPara="1" wrap="square" lIns="91425" tIns="91425" rIns="91425" bIns="91425" anchor="t" anchorCtr="0">
+            <a:noAutofit/>
+          </a:bodyPr>
+          <a:lstStyle/>
+          <a:p>
+            <a:pPr marL="0" lvl="0" indent="0" algn="l" rtl="0">
+              <a:spcBef>
+                <a:spcPts val="0"/>
+              </a:spcBef>
+              <a:spcAft>
+                <a:spcPts val="0"/>
+              </a:spcAft>
+              <a:buNone/>
+            </a:pPr>
+            <a:endParaRPr dirty="0"/>
+          </a:p>
+        </p:txBody>
+      </p:sp>
+    </p:spTree>
+  </p:cSld>
+  <p:clrMapOvr>
+    <a:masterClrMapping/>
+  </p:clrMapOvr>
+</p:notes>
+</file>
+
+<file path=ppt/notesSlides/notesSlide3.xml><?xml version="1.0" encoding="utf-8"?>
+<p:notes xmlns:a="http://schemas.openxmlformats.org/drawingml/2006/main" xmlns:r="http://schemas.openxmlformats.org/officeDocument/2006/relationships" xmlns:p="http://schemas.openxmlformats.org/presentationml/2006/main" showMasterSp="0" showMasterPhAnim="0">
+  <p:cSld>
+    <p:spTree>
+      <p:nvGrpSpPr>
         <p:cNvPr id="1" name="Shape 77"/>
         <p:cNvGrpSpPr/>
         <p:nvPr/>
@@ -1404,7 +1477,7 @@
 </p:notes>
 </file>
 
-<file path=ppt/notesSlides/notesSlide3.xml><?xml version="1.0" encoding="utf-8"?>
+<file path=ppt/notesSlides/notesSlide4.xml><?xml version="1.0" encoding="utf-8"?>
 <p:notes xmlns:a="http://schemas.openxmlformats.org/drawingml/2006/main" xmlns:r="http://schemas.openxmlformats.org/officeDocument/2006/relationships" xmlns:p="http://schemas.openxmlformats.org/presentationml/2006/main" showMasterSp="0" showMasterPhAnim="0">
   <p:cSld>
     <p:spTree>
@@ -1531,7 +1604,7 @@
 </p:notes>
 </file>
 
-<file path=ppt/notesSlides/notesSlide4.xml><?xml version="1.0" encoding="utf-8"?>
+<file path=ppt/notesSlides/notesSlide5.xml><?xml version="1.0" encoding="utf-8"?>
 <p:notes xmlns:a="http://schemas.openxmlformats.org/drawingml/2006/main" xmlns:r="http://schemas.openxmlformats.org/officeDocument/2006/relationships" xmlns:p="http://schemas.openxmlformats.org/presentationml/2006/main" showMasterSp="0" showMasterPhAnim="0">
   <p:cSld>
     <p:spTree>
@@ -1658,7 +1731,7 @@
 </p:notes>
 </file>
 
-<file path=ppt/notesSlides/notesSlide5.xml><?xml version="1.0" encoding="utf-8"?>
+<file path=ppt/notesSlides/notesSlide6.xml><?xml version="1.0" encoding="utf-8"?>
 <p:notes xmlns:a="http://schemas.openxmlformats.org/drawingml/2006/main" xmlns:r="http://schemas.openxmlformats.org/officeDocument/2006/relationships" xmlns:p="http://schemas.openxmlformats.org/presentationml/2006/main" showMasterSp="0" showMasterPhAnim="0">
   <p:cSld>
     <p:spTree>
@@ -1785,7 +1858,7 @@
 </p:notes>
 </file>
 
-<file path=ppt/notesSlides/notesSlide6.xml><?xml version="1.0" encoding="utf-8"?>
+<file path=ppt/notesSlides/notesSlide7.xml><?xml version="1.0" encoding="utf-8"?>
 <p:notes xmlns:a="http://schemas.openxmlformats.org/drawingml/2006/main" xmlns:r="http://schemas.openxmlformats.org/officeDocument/2006/relationships" xmlns:p="http://schemas.openxmlformats.org/presentationml/2006/main" showMasterSp="0" showMasterPhAnim="0">
   <p:cSld>
     <p:spTree>
@@ -1912,7 +1985,7 @@
 </p:notes>
 </file>
 
-<file path=ppt/notesSlides/notesSlide7.xml><?xml version="1.0" encoding="utf-8"?>
+<file path=ppt/notesSlides/notesSlide8.xml><?xml version="1.0" encoding="utf-8"?>
 <p:notes xmlns:a="http://schemas.openxmlformats.org/drawingml/2006/main" xmlns:r="http://schemas.openxmlformats.org/officeDocument/2006/relationships" xmlns:p="http://schemas.openxmlformats.org/presentationml/2006/main" showMasterSp="0" showMasterPhAnim="0">
   <p:cSld>
     <p:spTree>
@@ -2039,7 +2112,7 @@
 </p:notes>
 </file>
 
-<file path=ppt/notesSlides/notesSlide8.xml><?xml version="1.0" encoding="utf-8"?>
+<file path=ppt/notesSlides/notesSlide9.xml><?xml version="1.0" encoding="utf-8"?>
 <p:notes xmlns:a="http://schemas.openxmlformats.org/drawingml/2006/main" xmlns:r="http://schemas.openxmlformats.org/officeDocument/2006/relationships" xmlns:p="http://schemas.openxmlformats.org/presentationml/2006/main" showMasterSp="0" showMasterPhAnim="0">
   <p:cSld>
     <p:spTree>
@@ -15331,6 +15404,581 @@
   <p:cSld>
     <p:spTree>
       <p:nvGrpSpPr>
+        <p:cNvPr id="1" name="Shape 67"/>
+        <p:cNvGrpSpPr/>
+        <p:nvPr/>
+      </p:nvGrpSpPr>
+      <p:grpSpPr>
+        <a:xfrm>
+          <a:off x="0" y="0"/>
+          <a:ext cx="0" cy="0"/>
+          <a:chOff x="0" y="0"/>
+          <a:chExt cx="0" cy="0"/>
+        </a:xfrm>
+      </p:grpSpPr>
+      <p:sp>
+        <p:nvSpPr>
+          <p:cNvPr id="68" name="Google Shape;68;p15"/>
+          <p:cNvSpPr txBox="1">
+            <a:spLocks noGrp="1"/>
+          </p:cNvSpPr>
+          <p:nvPr>
+            <p:ph type="ctrTitle" idx="4294967295"/>
+          </p:nvPr>
+        </p:nvSpPr>
+        <p:spPr>
+          <a:xfrm>
+            <a:off x="1192664" y="403309"/>
+            <a:ext cx="7033070" cy="533100"/>
+          </a:xfrm>
+          <a:prstGeom prst="rect">
+            <a:avLst/>
+          </a:prstGeom>
+          <a:noFill/>
+          <a:ln>
+            <a:noFill/>
+          </a:ln>
+        </p:spPr>
+        <p:txBody>
+          <a:bodyPr spcFirstLastPara="1" wrap="square" lIns="91425" tIns="91425" rIns="91425" bIns="91425" anchor="t" anchorCtr="0">
+            <a:noAutofit/>
+          </a:bodyPr>
+          <a:lstStyle/>
+          <a:p>
+            <a:r>
+              <a:rPr lang="fr-FR" sz="2500" dirty="0">
+                <a:solidFill>
+                  <a:srgbClr val="0E3449"/>
+                </a:solidFill>
+                <a:latin typeface="Inter SemiBold"/>
+                <a:ea typeface="Inter SemiBold"/>
+                <a:sym typeface="Inter SemiBold"/>
+              </a:rPr>
+              <a:t>Contexte et enjeu</a:t>
+            </a:r>
+            <a:endParaRPr sz="2500" dirty="0">
+              <a:solidFill>
+                <a:srgbClr val="0E3449"/>
+              </a:solidFill>
+              <a:latin typeface="Inter SemiBold"/>
+              <a:ea typeface="Inter SemiBold"/>
+              <a:sym typeface="Inter SemiBold"/>
+            </a:endParaRPr>
+          </a:p>
+        </p:txBody>
+      </p:sp>
+      <p:pic>
+        <p:nvPicPr>
+          <p:cNvPr id="75" name="Google Shape;75;p15"/>
+          <p:cNvPicPr preferRelativeResize="0"/>
+          <p:nvPr/>
+        </p:nvPicPr>
+        <p:blipFill>
+          <a:blip r:embed="rId3">
+            <a:alphaModFix/>
+          </a:blip>
+          <a:stretch>
+            <a:fillRect/>
+          </a:stretch>
+        </p:blipFill>
+        <p:spPr>
+          <a:xfrm>
+            <a:off x="463375" y="482852"/>
+            <a:ext cx="576900" cy="385904"/>
+          </a:xfrm>
+          <a:prstGeom prst="rect">
+            <a:avLst/>
+          </a:prstGeom>
+          <a:noFill/>
+          <a:ln>
+            <a:noFill/>
+          </a:ln>
+        </p:spPr>
+      </p:pic>
+      <p:sp>
+        <p:nvSpPr>
+          <p:cNvPr id="76" name="Google Shape;76;p15"/>
+          <p:cNvSpPr/>
+          <p:nvPr/>
+        </p:nvSpPr>
+        <p:spPr>
+          <a:xfrm>
+            <a:off x="10225" y="4892025"/>
+            <a:ext cx="9144000" cy="251400"/>
+          </a:xfrm>
+          <a:prstGeom prst="rect">
+            <a:avLst/>
+          </a:prstGeom>
+          <a:solidFill>
+            <a:srgbClr val="C3FFFC"/>
+          </a:solidFill>
+          <a:ln>
+            <a:noFill/>
+          </a:ln>
+        </p:spPr>
+        <p:txBody>
+          <a:bodyPr spcFirstLastPara="1" wrap="square" lIns="91425" tIns="91425" rIns="91425" bIns="91425" anchor="ctr" anchorCtr="0">
+            <a:noAutofit/>
+          </a:bodyPr>
+          <a:lstStyle/>
+          <a:p>
+            <a:pPr marL="0" lvl="0" indent="0" algn="l" rtl="0">
+              <a:spcBef>
+                <a:spcPts val="0"/>
+              </a:spcBef>
+              <a:spcAft>
+                <a:spcPts val="0"/>
+              </a:spcAft>
+              <a:buNone/>
+            </a:pPr>
+            <a:endParaRPr dirty="0"/>
+          </a:p>
+        </p:txBody>
+      </p:sp>
+      <p:sp>
+        <p:nvSpPr>
+          <p:cNvPr id="2" name="Flèche : droite 1">
+            <a:extLst>
+              <a:ext uri="{FF2B5EF4-FFF2-40B4-BE49-F238E27FC236}">
+                <a16:creationId xmlns:a16="http://schemas.microsoft.com/office/drawing/2014/main" id="{86EAA274-6C17-67CB-A10D-51EEF8179EBB}"/>
+              </a:ext>
+            </a:extLst>
+          </p:cNvPr>
+          <p:cNvSpPr/>
+          <p:nvPr/>
+        </p:nvSpPr>
+        <p:spPr>
+          <a:xfrm>
+            <a:off x="617497" y="1132209"/>
+            <a:ext cx="541478" cy="531410"/>
+          </a:xfrm>
+          <a:prstGeom prst="rightArrow">
+            <a:avLst/>
+          </a:prstGeom>
+          <a:solidFill>
+            <a:srgbClr val="FFC000"/>
+          </a:solidFill>
+          <a:ln>
+            <a:noFill/>
+          </a:ln>
+        </p:spPr>
+        <p:style>
+          <a:lnRef idx="2">
+            <a:schemeClr val="accent1">
+              <a:shade val="15000"/>
+            </a:schemeClr>
+          </a:lnRef>
+          <a:fillRef idx="1">
+            <a:schemeClr val="accent1"/>
+          </a:fillRef>
+          <a:effectRef idx="0">
+            <a:schemeClr val="accent1"/>
+          </a:effectRef>
+          <a:fontRef idx="minor">
+            <a:schemeClr val="lt1"/>
+          </a:fontRef>
+        </p:style>
+        <p:txBody>
+          <a:bodyPr rtlCol="0" anchor="ctr"/>
+          <a:lstStyle/>
+          <a:p>
+            <a:pPr algn="ctr"/>
+            <a:endParaRPr lang="fr-FR" sz="1200"/>
+          </a:p>
+        </p:txBody>
+      </p:sp>
+      <p:sp>
+        <p:nvSpPr>
+          <p:cNvPr id="5" name="Google Shape;69;p3">
+            <a:extLst>
+              <a:ext uri="{FF2B5EF4-FFF2-40B4-BE49-F238E27FC236}">
+                <a16:creationId xmlns:a16="http://schemas.microsoft.com/office/drawing/2014/main" id="{C9E79F0C-F757-C223-90A8-073753256F1C}"/>
+              </a:ext>
+            </a:extLst>
+          </p:cNvPr>
+          <p:cNvSpPr/>
+          <p:nvPr/>
+        </p:nvSpPr>
+        <p:spPr>
+          <a:xfrm>
+            <a:off x="1260039" y="1164423"/>
+            <a:ext cx="7266464" cy="1706368"/>
+          </a:xfrm>
+          <a:prstGeom prst="rect">
+            <a:avLst/>
+          </a:prstGeom>
+          <a:solidFill>
+            <a:schemeClr val="accent3">
+              <a:lumMod val="20000"/>
+              <a:lumOff val="80000"/>
+            </a:schemeClr>
+          </a:solidFill>
+          <a:ln>
+            <a:noFill/>
+          </a:ln>
+        </p:spPr>
+        <p:txBody>
+          <a:bodyPr spcFirstLastPara="1" wrap="square" lIns="91425" tIns="45700" rIns="91425" bIns="45700" anchor="ctr" anchorCtr="0">
+            <a:noAutofit/>
+          </a:bodyPr>
+          <a:lstStyle/>
+          <a:p>
+            <a:pPr marL="0" marR="0" lvl="0" indent="0" algn="ctr" rtl="0">
+              <a:lnSpc>
+                <a:spcPct val="100000"/>
+              </a:lnSpc>
+              <a:spcBef>
+                <a:spcPts val="0"/>
+              </a:spcBef>
+              <a:spcAft>
+                <a:spcPts val="0"/>
+              </a:spcAft>
+              <a:buClr>
+                <a:srgbClr val="000000"/>
+              </a:buClr>
+              <a:buSzPts val="1400"/>
+              <a:buFont typeface="Arial"/>
+              <a:buNone/>
+            </a:pPr>
+            <a:endParaRPr sz="1400" b="0" i="0" u="none" strike="noStrike" cap="none">
+              <a:solidFill>
+                <a:schemeClr val="lt1"/>
+              </a:solidFill>
+              <a:latin typeface="Arial"/>
+              <a:ea typeface="Arial"/>
+              <a:cs typeface="Arial"/>
+              <a:sym typeface="Arial"/>
+            </a:endParaRPr>
+          </a:p>
+        </p:txBody>
+      </p:sp>
+      <p:sp>
+        <p:nvSpPr>
+          <p:cNvPr id="6" name="Google Shape;73;p3">
+            <a:extLst>
+              <a:ext uri="{FF2B5EF4-FFF2-40B4-BE49-F238E27FC236}">
+                <a16:creationId xmlns:a16="http://schemas.microsoft.com/office/drawing/2014/main" id="{243FF7A6-205C-44FD-4C04-67C8CD0DF557}"/>
+              </a:ext>
+            </a:extLst>
+          </p:cNvPr>
+          <p:cNvSpPr txBox="1">
+            <a:spLocks/>
+          </p:cNvSpPr>
+          <p:nvPr/>
+        </p:nvSpPr>
+        <p:spPr>
+          <a:xfrm>
+            <a:off x="1260039" y="1164423"/>
+            <a:ext cx="7266464" cy="300667"/>
+          </a:xfrm>
+          <a:prstGeom prst="rect">
+            <a:avLst/>
+          </a:prstGeom>
+          <a:noFill/>
+          <a:ln>
+            <a:noFill/>
+          </a:ln>
+        </p:spPr>
+        <p:txBody>
+          <a:bodyPr spcFirstLastPara="1" wrap="square" lIns="91425" tIns="91425" rIns="91425" bIns="91425" anchor="t" anchorCtr="0">
+            <a:noAutofit/>
+          </a:bodyPr>
+          <a:lstStyle>
+            <a:defPPr marR="0" lvl="0" algn="l" rtl="0">
+              <a:lnSpc>
+                <a:spcPct val="100000"/>
+              </a:lnSpc>
+              <a:spcBef>
+                <a:spcPts val="0"/>
+              </a:spcBef>
+              <a:spcAft>
+                <a:spcPts val="0"/>
+              </a:spcAft>
+            </a:defPPr>
+            <a:lvl1pPr marL="457200" marR="0" lvl="0" indent="-342900" algn="l" rtl="0">
+              <a:lnSpc>
+                <a:spcPct val="115000"/>
+              </a:lnSpc>
+              <a:spcBef>
+                <a:spcPts val="0"/>
+              </a:spcBef>
+              <a:spcAft>
+                <a:spcPts val="0"/>
+              </a:spcAft>
+              <a:buClr>
+                <a:schemeClr val="dk2"/>
+              </a:buClr>
+              <a:buSzPts val="1800"/>
+              <a:buFont typeface="Arial"/>
+              <a:buChar char="●"/>
+              <a:defRPr sz="1800" b="0" i="0" u="none" strike="noStrike" cap="none">
+                <a:solidFill>
+                  <a:schemeClr val="dk2"/>
+                </a:solidFill>
+                <a:latin typeface="Arial"/>
+                <a:ea typeface="Arial"/>
+                <a:cs typeface="Arial"/>
+                <a:sym typeface="Arial"/>
+              </a:defRPr>
+            </a:lvl1pPr>
+            <a:lvl2pPr marL="914400" marR="0" lvl="1" indent="-317500" algn="l" rtl="0">
+              <a:lnSpc>
+                <a:spcPct val="115000"/>
+              </a:lnSpc>
+              <a:spcBef>
+                <a:spcPts val="1600"/>
+              </a:spcBef>
+              <a:spcAft>
+                <a:spcPts val="0"/>
+              </a:spcAft>
+              <a:buClr>
+                <a:schemeClr val="dk2"/>
+              </a:buClr>
+              <a:buSzPts val="1400"/>
+              <a:buFont typeface="Arial"/>
+              <a:buChar char="○"/>
+              <a:defRPr sz="1400" b="0" i="0" u="none" strike="noStrike" cap="none">
+                <a:solidFill>
+                  <a:schemeClr val="dk2"/>
+                </a:solidFill>
+                <a:latin typeface="Arial"/>
+                <a:ea typeface="Arial"/>
+                <a:cs typeface="Arial"/>
+                <a:sym typeface="Arial"/>
+              </a:defRPr>
+            </a:lvl2pPr>
+            <a:lvl3pPr marL="1371600" marR="0" lvl="2" indent="-317500" algn="l" rtl="0">
+              <a:lnSpc>
+                <a:spcPct val="115000"/>
+              </a:lnSpc>
+              <a:spcBef>
+                <a:spcPts val="1600"/>
+              </a:spcBef>
+              <a:spcAft>
+                <a:spcPts val="0"/>
+              </a:spcAft>
+              <a:buClr>
+                <a:schemeClr val="dk2"/>
+              </a:buClr>
+              <a:buSzPts val="1400"/>
+              <a:buFont typeface="Arial"/>
+              <a:buChar char="■"/>
+              <a:defRPr sz="1400" b="0" i="0" u="none" strike="noStrike" cap="none">
+                <a:solidFill>
+                  <a:schemeClr val="dk2"/>
+                </a:solidFill>
+                <a:latin typeface="Arial"/>
+                <a:ea typeface="Arial"/>
+                <a:cs typeface="Arial"/>
+                <a:sym typeface="Arial"/>
+              </a:defRPr>
+            </a:lvl3pPr>
+            <a:lvl4pPr marL="1828800" marR="0" lvl="3" indent="-317500" algn="l" rtl="0">
+              <a:lnSpc>
+                <a:spcPct val="115000"/>
+              </a:lnSpc>
+              <a:spcBef>
+                <a:spcPts val="1600"/>
+              </a:spcBef>
+              <a:spcAft>
+                <a:spcPts val="0"/>
+              </a:spcAft>
+              <a:buClr>
+                <a:schemeClr val="dk2"/>
+              </a:buClr>
+              <a:buSzPts val="1400"/>
+              <a:buFont typeface="Arial"/>
+              <a:buChar char="●"/>
+              <a:defRPr sz="1400" b="0" i="0" u="none" strike="noStrike" cap="none">
+                <a:solidFill>
+                  <a:schemeClr val="dk2"/>
+                </a:solidFill>
+                <a:latin typeface="Arial"/>
+                <a:ea typeface="Arial"/>
+                <a:cs typeface="Arial"/>
+                <a:sym typeface="Arial"/>
+              </a:defRPr>
+            </a:lvl4pPr>
+            <a:lvl5pPr marL="2286000" marR="0" lvl="4" indent="-317500" algn="l" rtl="0">
+              <a:lnSpc>
+                <a:spcPct val="115000"/>
+              </a:lnSpc>
+              <a:spcBef>
+                <a:spcPts val="1600"/>
+              </a:spcBef>
+              <a:spcAft>
+                <a:spcPts val="0"/>
+              </a:spcAft>
+              <a:buClr>
+                <a:schemeClr val="dk2"/>
+              </a:buClr>
+              <a:buSzPts val="1400"/>
+              <a:buFont typeface="Arial"/>
+              <a:buChar char="○"/>
+              <a:defRPr sz="1400" b="0" i="0" u="none" strike="noStrike" cap="none">
+                <a:solidFill>
+                  <a:schemeClr val="dk2"/>
+                </a:solidFill>
+                <a:latin typeface="Arial"/>
+                <a:ea typeface="Arial"/>
+                <a:cs typeface="Arial"/>
+                <a:sym typeface="Arial"/>
+              </a:defRPr>
+            </a:lvl5pPr>
+            <a:lvl6pPr marL="2743200" marR="0" lvl="5" indent="-317500" algn="l" rtl="0">
+              <a:lnSpc>
+                <a:spcPct val="115000"/>
+              </a:lnSpc>
+              <a:spcBef>
+                <a:spcPts val="1600"/>
+              </a:spcBef>
+              <a:spcAft>
+                <a:spcPts val="0"/>
+              </a:spcAft>
+              <a:buClr>
+                <a:schemeClr val="dk2"/>
+              </a:buClr>
+              <a:buSzPts val="1400"/>
+              <a:buFont typeface="Arial"/>
+              <a:buChar char="■"/>
+              <a:defRPr sz="1400" b="0" i="0" u="none" strike="noStrike" cap="none">
+                <a:solidFill>
+                  <a:schemeClr val="dk2"/>
+                </a:solidFill>
+                <a:latin typeface="Arial"/>
+                <a:ea typeface="Arial"/>
+                <a:cs typeface="Arial"/>
+                <a:sym typeface="Arial"/>
+              </a:defRPr>
+            </a:lvl6pPr>
+            <a:lvl7pPr marL="3200400" marR="0" lvl="6" indent="-317500" algn="l" rtl="0">
+              <a:lnSpc>
+                <a:spcPct val="115000"/>
+              </a:lnSpc>
+              <a:spcBef>
+                <a:spcPts val="1600"/>
+              </a:spcBef>
+              <a:spcAft>
+                <a:spcPts val="0"/>
+              </a:spcAft>
+              <a:buClr>
+                <a:schemeClr val="dk2"/>
+              </a:buClr>
+              <a:buSzPts val="1400"/>
+              <a:buFont typeface="Arial"/>
+              <a:buChar char="●"/>
+              <a:defRPr sz="1400" b="0" i="0" u="none" strike="noStrike" cap="none">
+                <a:solidFill>
+                  <a:schemeClr val="dk2"/>
+                </a:solidFill>
+                <a:latin typeface="Arial"/>
+                <a:ea typeface="Arial"/>
+                <a:cs typeface="Arial"/>
+                <a:sym typeface="Arial"/>
+              </a:defRPr>
+            </a:lvl7pPr>
+            <a:lvl8pPr marL="3657600" marR="0" lvl="7" indent="-317500" algn="l" rtl="0">
+              <a:lnSpc>
+                <a:spcPct val="115000"/>
+              </a:lnSpc>
+              <a:spcBef>
+                <a:spcPts val="1600"/>
+              </a:spcBef>
+              <a:spcAft>
+                <a:spcPts val="0"/>
+              </a:spcAft>
+              <a:buClr>
+                <a:schemeClr val="dk2"/>
+              </a:buClr>
+              <a:buSzPts val="1400"/>
+              <a:buFont typeface="Arial"/>
+              <a:buChar char="○"/>
+              <a:defRPr sz="1400" b="0" i="0" u="none" strike="noStrike" cap="none">
+                <a:solidFill>
+                  <a:schemeClr val="dk2"/>
+                </a:solidFill>
+                <a:latin typeface="Arial"/>
+                <a:ea typeface="Arial"/>
+                <a:cs typeface="Arial"/>
+                <a:sym typeface="Arial"/>
+              </a:defRPr>
+            </a:lvl8pPr>
+            <a:lvl9pPr marL="4114800" marR="0" lvl="8" indent="-317500" algn="l" rtl="0">
+              <a:lnSpc>
+                <a:spcPct val="115000"/>
+              </a:lnSpc>
+              <a:spcBef>
+                <a:spcPts val="1600"/>
+              </a:spcBef>
+              <a:spcAft>
+                <a:spcPts val="1600"/>
+              </a:spcAft>
+              <a:buClr>
+                <a:schemeClr val="dk2"/>
+              </a:buClr>
+              <a:buSzPts val="1400"/>
+              <a:buFont typeface="Arial"/>
+              <a:buChar char="■"/>
+              <a:defRPr sz="1400" b="0" i="0" u="none" strike="noStrike" cap="none">
+                <a:solidFill>
+                  <a:schemeClr val="dk2"/>
+                </a:solidFill>
+                <a:latin typeface="Arial"/>
+                <a:ea typeface="Arial"/>
+                <a:cs typeface="Arial"/>
+                <a:sym typeface="Arial"/>
+              </a:defRPr>
+            </a:lvl9pPr>
+          </a:lstStyle>
+          <a:p>
+            <a:pPr marL="114300" indent="0">
+              <a:buSzPct val="100000"/>
+              <a:buNone/>
+            </a:pPr>
+            <a:r>
+              <a:rPr lang="fr-FR" sz="1400" b="1" dirty="0"/>
+              <a:t>Objectif : </a:t>
+            </a:r>
+          </a:p>
+          <a:p>
+            <a:pPr>
+              <a:buSzPct val="100000"/>
+            </a:pPr>
+            <a:r>
+              <a:rPr lang="fr-FR" sz="1400" dirty="0"/>
+              <a:t>Le catalogue e-commerce de The North Face repose sur des descriptions produits textuelles riches mais hétérogènes. </a:t>
+            </a:r>
+          </a:p>
+          <a:p>
+            <a:pPr>
+              <a:buSzPct val="100000"/>
+            </a:pPr>
+            <a:endParaRPr lang="fr-FR" sz="1400" dirty="0"/>
+          </a:p>
+          <a:p>
+            <a:pPr>
+              <a:buSzPct val="100000"/>
+            </a:pPr>
+            <a:r>
+              <a:rPr lang="fr-FR" sz="1400" dirty="0"/>
+              <a:t>En l’absence de labels structurés ou de données utilisateurs exploitables, l’enjeu est  d’améliorer la structuration du catalogue et les recommandations produits.</a:t>
+            </a:r>
+          </a:p>
+        </p:txBody>
+      </p:sp>
+    </p:spTree>
+  </p:cSld>
+  <p:clrMapOvr>
+    <a:masterClrMapping/>
+  </p:clrMapOvr>
+</p:sld>
+</file>
+
+<file path=ppt/slides/slide3.xml><?xml version="1.0" encoding="utf-8"?>
+<p:sld xmlns:a="http://schemas.openxmlformats.org/drawingml/2006/main" xmlns:r="http://schemas.openxmlformats.org/officeDocument/2006/relationships" xmlns:p="http://schemas.openxmlformats.org/presentationml/2006/main">
+  <p:cSld>
+    <p:spTree>
+      <p:nvGrpSpPr>
         <p:cNvPr id="1" name="Shape 80"/>
         <p:cNvGrpSpPr/>
         <p:nvPr/>
@@ -17600,7 +18248,7 @@
 </p:sld>
 </file>
 
-<file path=ppt/slides/slide3.xml><?xml version="1.0" encoding="utf-8"?>
+<file path=ppt/slides/slide4.xml><?xml version="1.0" encoding="utf-8"?>
 <p:sld xmlns:a="http://schemas.openxmlformats.org/drawingml/2006/main" xmlns:r="http://schemas.openxmlformats.org/officeDocument/2006/relationships" xmlns:p="http://schemas.openxmlformats.org/presentationml/2006/main">
   <p:cSld>
     <p:spTree>
@@ -18223,14 +18871,15 @@
         </p:nvPicPr>
         <p:blipFill>
           <a:blip r:embed="rId4"/>
+          <a:srcRect t="2483" b="4125"/>
           <a:stretch>
             <a:fillRect/>
           </a:stretch>
         </p:blipFill>
         <p:spPr>
           <a:xfrm>
-            <a:off x="2025650" y="985123"/>
-            <a:ext cx="5205976" cy="2653225"/>
+            <a:off x="1789033" y="1004062"/>
+            <a:ext cx="5679210" cy="2703157"/>
           </a:xfrm>
           <a:prstGeom prst="rect">
             <a:avLst/>
@@ -18255,7 +18904,7 @@
 </p:sld>
 </file>
 
-<file path=ppt/slides/slide4.xml><?xml version="1.0" encoding="utf-8"?>
+<file path=ppt/slides/slide5.xml><?xml version="1.0" encoding="utf-8"?>
 <p:sld xmlns:a="http://schemas.openxmlformats.org/drawingml/2006/main" xmlns:r="http://schemas.openxmlformats.org/officeDocument/2006/relationships" xmlns:p="http://schemas.openxmlformats.org/presentationml/2006/main">
   <p:cSld>
     <p:spTree>
@@ -18925,7 +19574,7 @@
 </p:sld>
 </file>
 
-<file path=ppt/slides/slide5.xml><?xml version="1.0" encoding="utf-8"?>
+<file path=ppt/slides/slide6.xml><?xml version="1.0" encoding="utf-8"?>
 <p:sld xmlns:a="http://schemas.openxmlformats.org/drawingml/2006/main" xmlns:r="http://schemas.openxmlformats.org/officeDocument/2006/relationships" xmlns:p="http://schemas.openxmlformats.org/presentationml/2006/main">
   <p:cSld>
     <p:spTree>
@@ -19620,7 +20269,7 @@
 </p:sld>
 </file>
 
-<file path=ppt/slides/slide6.xml><?xml version="1.0" encoding="utf-8"?>
+<file path=ppt/slides/slide7.xml><?xml version="1.0" encoding="utf-8"?>
 <p:sld xmlns:a="http://schemas.openxmlformats.org/drawingml/2006/main" xmlns:r="http://schemas.openxmlformats.org/officeDocument/2006/relationships" xmlns:p="http://schemas.openxmlformats.org/presentationml/2006/main">
   <p:cSld>
     <p:spTree>
@@ -20288,7 +20937,7 @@
 </p:sld>
 </file>
 
-<file path=ppt/slides/slide7.xml><?xml version="1.0" encoding="utf-8"?>
+<file path=ppt/slides/slide8.xml><?xml version="1.0" encoding="utf-8"?>
 <p:sld xmlns:a="http://schemas.openxmlformats.org/drawingml/2006/main" xmlns:r="http://schemas.openxmlformats.org/officeDocument/2006/relationships" xmlns:p="http://schemas.openxmlformats.org/presentationml/2006/main">
   <p:cSld>
     <p:spTree>
@@ -20943,6 +21592,55 @@
           </a:ln>
         </p:spPr>
       </p:pic>
+      <p:sp>
+        <p:nvSpPr>
+          <p:cNvPr id="2" name="Flèche : droite 1">
+            <a:extLst>
+              <a:ext uri="{FF2B5EF4-FFF2-40B4-BE49-F238E27FC236}">
+                <a16:creationId xmlns:a16="http://schemas.microsoft.com/office/drawing/2014/main" id="{6C991352-BCB8-9706-E0DD-467678EC8725}"/>
+              </a:ext>
+            </a:extLst>
+          </p:cNvPr>
+          <p:cNvSpPr/>
+          <p:nvPr/>
+        </p:nvSpPr>
+        <p:spPr>
+          <a:xfrm>
+            <a:off x="4963909" y="1769979"/>
+            <a:ext cx="304800" cy="421640"/>
+          </a:xfrm>
+          <a:prstGeom prst="rightArrow">
+            <a:avLst/>
+          </a:prstGeom>
+          <a:ln>
+            <a:noFill/>
+          </a:ln>
+        </p:spPr>
+        <p:style>
+          <a:lnRef idx="2">
+            <a:schemeClr val="accent1">
+              <a:shade val="15000"/>
+            </a:schemeClr>
+          </a:lnRef>
+          <a:fillRef idx="1">
+            <a:schemeClr val="accent1"/>
+          </a:fillRef>
+          <a:effectRef idx="0">
+            <a:schemeClr val="accent1"/>
+          </a:effectRef>
+          <a:fontRef idx="minor">
+            <a:schemeClr val="lt1"/>
+          </a:fontRef>
+        </p:style>
+        <p:txBody>
+          <a:bodyPr rtlCol="0" anchor="ctr"/>
+          <a:lstStyle/>
+          <a:p>
+            <a:pPr algn="ctr"/>
+            <a:endParaRPr lang="fr-FR"/>
+          </a:p>
+        </p:txBody>
+      </p:sp>
     </p:spTree>
     <p:extLst>
       <p:ext uri="{BB962C8B-B14F-4D97-AF65-F5344CB8AC3E}">
@@ -20956,7 +21654,7 @@
 </p:sld>
 </file>
 
-<file path=ppt/slides/slide8.xml><?xml version="1.0" encoding="utf-8"?>
+<file path=ppt/slides/slide9.xml><?xml version="1.0" encoding="utf-8"?>
 <p:sld xmlns:a="http://schemas.openxmlformats.org/drawingml/2006/main" xmlns:r="http://schemas.openxmlformats.org/officeDocument/2006/relationships" xmlns:p="http://schemas.openxmlformats.org/presentationml/2006/main">
   <p:cSld>
     <p:bg>
